--- a/dokumentasi/Deployment_Report_Docker_Monitoring.pptx
+++ b/dokumentasi/Deployment_Report_Docker_Monitoring.pptx
@@ -3780,29 +3780,54 @@
           <a:bodyPr/>
           <a:lstStyle/>
           <a:p>
-            <a:r>
+            <a:pPr marL="0" indent="0">
+              <a:buNone/>
+            </a:pPr>
+            <a:r>
+              <a:rPr dirty="0"/>
               <a:t>- Application</a:t>
             </a:r>
           </a:p>
           <a:p>
-            <a:r>
+            <a:pPr marL="0" indent="0">
+              <a:buNone/>
+            </a:pPr>
+            <a:r>
+              <a:rPr dirty="0"/>
               <a:t>- Database</a:t>
             </a:r>
           </a:p>
           <a:p>
-            <a:r>
+            <a:pPr marL="0" indent="0">
+              <a:buNone/>
+            </a:pPr>
+            <a:r>
+              <a:rPr dirty="0"/>
               <a:t>- Grafana</a:t>
             </a:r>
           </a:p>
           <a:p>
-            <a:r>
+            <a:pPr marL="0" indent="0">
+              <a:buNone/>
+            </a:pPr>
+            <a:r>
+              <a:rPr dirty="0"/>
               <a:t>- Loki</a:t>
             </a:r>
           </a:p>
           <a:p>
-            <a:r>
-              <a:t>- Promtail</a:t>
-            </a:r>
+            <a:pPr marL="0" indent="0">
+              <a:buNone/>
+            </a:pPr>
+            <a:r>
+              <a:rPr dirty="0"/>
+              <a:t>- </a:t>
+            </a:r>
+            <a:r>
+              <a:rPr dirty="0" err="1"/>
+              <a:t>Promtail</a:t>
+            </a:r>
+            <a:endParaRPr dirty="0"/>
           </a:p>
         </p:txBody>
       </p:sp>
